--- a/cancergenomics/1610/slides/exercise_wrap_ut.pptx
+++ b/cancergenomics/1610/slides/exercise_wrap_ut.pptx
@@ -3291,19 +3291,7 @@
           <a:p>
             <a:r>
               <a:rPr lang="en-US" dirty="0" smtClean="0"/>
-              <a:t>Alternative</a:t>
-            </a:r>
-            <a:r>
-              <a:rPr lang="en-US" dirty="0" smtClean="0"/>
-              <a:t> </a:t>
-            </a:r>
-            <a:r>
-              <a:rPr lang="en-US" dirty="0" smtClean="0"/>
-              <a:t>Allele </a:t>
-            </a:r>
-            <a:r>
-              <a:rPr lang="en-US" dirty="0" smtClean="0"/>
-              <a:t>Frequency</a:t>
+              <a:t>Alternative Allele Frequency</a:t>
             </a:r>
             <a:endParaRPr lang="en-US" dirty="0"/>
           </a:p>
@@ -3694,7 +3682,6 @@
                 <a:rPr lang="en-US" sz="1400" dirty="0" smtClean="0"/>
                 <a:t>C</a:t>
               </a:r>
-              <a:endParaRPr lang="en-US" sz="1400" dirty="0" smtClean="0"/>
             </a:p>
             <a:p>
               <a:pPr>
@@ -3798,11 +3785,7 @@
           <a:p>
             <a:r>
               <a:rPr lang="en-US" dirty="0" smtClean="0"/>
-              <a:t>AF </a:t>
-            </a:r>
-            <a:r>
-              <a:rPr lang="en-US" dirty="0" smtClean="0"/>
-              <a:t>=   </a:t>
+              <a:t>AF =   </a:t>
             </a:r>
             <a:endParaRPr lang="en-US" dirty="0"/>
           </a:p>
@@ -3868,7 +3851,6 @@
               <a:rPr lang="en-US" dirty="0"/>
               <a:t>A</a:t>
             </a:r>
-            <a:endParaRPr lang="en-US" dirty="0"/>
           </a:p>
         </p:txBody>
       </p:sp>
@@ -3936,11 +3918,7 @@
             </a:r>
             <a:r>
               <a:rPr lang="en-US" dirty="0" smtClean="0"/>
-              <a:t> reads A + # reads </a:t>
-            </a:r>
-            <a:r>
-              <a:rPr lang="en-US" dirty="0" smtClean="0"/>
-              <a:t>C</a:t>
+              <a:t> reads A + # reads C</a:t>
             </a:r>
             <a:endParaRPr lang="en-US" dirty="0"/>
           </a:p>

--- a/cancergenomics/1610/slides/exercise_wrap_ut.pptx
+++ b/cancergenomics/1610/slides/exercise_wrap_ut.pptx
@@ -295,7 +295,7 @@
           <a:p>
             <a:fld id="{9F708D06-C781-204A-A17A-0A030CE25AAF}" type="datetimeFigureOut">
               <a:rPr lang="en-US" smtClean="0"/>
-              <a:t>17/10/16</a:t>
+              <a:t>19/10/16</a:t>
             </a:fld>
             <a:endParaRPr lang="en-US"/>
           </a:p>
@@ -465,7 +465,7 @@
           <a:p>
             <a:fld id="{9F708D06-C781-204A-A17A-0A030CE25AAF}" type="datetimeFigureOut">
               <a:rPr lang="en-US" smtClean="0"/>
-              <a:t>17/10/16</a:t>
+              <a:t>19/10/16</a:t>
             </a:fld>
             <a:endParaRPr lang="en-US"/>
           </a:p>
@@ -645,7 +645,7 @@
           <a:p>
             <a:fld id="{9F708D06-C781-204A-A17A-0A030CE25AAF}" type="datetimeFigureOut">
               <a:rPr lang="en-US" smtClean="0"/>
-              <a:t>17/10/16</a:t>
+              <a:t>19/10/16</a:t>
             </a:fld>
             <a:endParaRPr lang="en-US"/>
           </a:p>
@@ -815,7 +815,7 @@
           <a:p>
             <a:fld id="{9F708D06-C781-204A-A17A-0A030CE25AAF}" type="datetimeFigureOut">
               <a:rPr lang="en-US" smtClean="0"/>
-              <a:t>17/10/16</a:t>
+              <a:t>19/10/16</a:t>
             </a:fld>
             <a:endParaRPr lang="en-US"/>
           </a:p>
@@ -1061,7 +1061,7 @@
           <a:p>
             <a:fld id="{9F708D06-C781-204A-A17A-0A030CE25AAF}" type="datetimeFigureOut">
               <a:rPr lang="en-US" smtClean="0"/>
-              <a:t>17/10/16</a:t>
+              <a:t>19/10/16</a:t>
             </a:fld>
             <a:endParaRPr lang="en-US"/>
           </a:p>
@@ -1349,7 +1349,7 @@
           <a:p>
             <a:fld id="{9F708D06-C781-204A-A17A-0A030CE25AAF}" type="datetimeFigureOut">
               <a:rPr lang="en-US" smtClean="0"/>
-              <a:t>17/10/16</a:t>
+              <a:t>19/10/16</a:t>
             </a:fld>
             <a:endParaRPr lang="en-US"/>
           </a:p>
@@ -1771,7 +1771,7 @@
           <a:p>
             <a:fld id="{9F708D06-C781-204A-A17A-0A030CE25AAF}" type="datetimeFigureOut">
               <a:rPr lang="en-US" smtClean="0"/>
-              <a:t>17/10/16</a:t>
+              <a:t>19/10/16</a:t>
             </a:fld>
             <a:endParaRPr lang="en-US"/>
           </a:p>
@@ -1889,7 +1889,7 @@
           <a:p>
             <a:fld id="{9F708D06-C781-204A-A17A-0A030CE25AAF}" type="datetimeFigureOut">
               <a:rPr lang="en-US" smtClean="0"/>
-              <a:t>17/10/16</a:t>
+              <a:t>19/10/16</a:t>
             </a:fld>
             <a:endParaRPr lang="en-US"/>
           </a:p>
@@ -1984,7 +1984,7 @@
           <a:p>
             <a:fld id="{9F708D06-C781-204A-A17A-0A030CE25AAF}" type="datetimeFigureOut">
               <a:rPr lang="en-US" smtClean="0"/>
-              <a:t>17/10/16</a:t>
+              <a:t>19/10/16</a:t>
             </a:fld>
             <a:endParaRPr lang="en-US"/>
           </a:p>
@@ -2261,7 +2261,7 @@
           <a:p>
             <a:fld id="{9F708D06-C781-204A-A17A-0A030CE25AAF}" type="datetimeFigureOut">
               <a:rPr lang="en-US" smtClean="0"/>
-              <a:t>17/10/16</a:t>
+              <a:t>19/10/16</a:t>
             </a:fld>
             <a:endParaRPr lang="en-US"/>
           </a:p>
@@ -2514,7 +2514,7 @@
           <a:p>
             <a:fld id="{9F708D06-C781-204A-A17A-0A030CE25AAF}" type="datetimeFigureOut">
               <a:rPr lang="en-US" smtClean="0"/>
-              <a:t>17/10/16</a:t>
+              <a:t>19/10/16</a:t>
             </a:fld>
             <a:endParaRPr lang="en-US"/>
           </a:p>
@@ -2727,7 +2727,7 @@
           <a:p>
             <a:fld id="{9F708D06-C781-204A-A17A-0A030CE25AAF}" type="datetimeFigureOut">
               <a:rPr lang="en-US" smtClean="0"/>
-              <a:t>17/10/16</a:t>
+              <a:t>19/10/16</a:t>
             </a:fld>
             <a:endParaRPr lang="en-US"/>
           </a:p>
@@ -3216,8 +3216,8 @@
         </p:nvSpPr>
         <p:spPr>
           <a:xfrm>
-            <a:off x="1286268" y="2191084"/>
-            <a:ext cx="6757453" cy="3805945"/>
+            <a:off x="2042284" y="2387621"/>
+            <a:ext cx="5412024" cy="2087371"/>
           </a:xfrm>
         </p:spPr>
         <p:txBody>
@@ -3229,8 +3229,33 @@
             </a:pPr>
             <a:r>
               <a:rPr lang="en-US" dirty="0" smtClean="0"/>
-              <a:t>Where do we find info about allele fractions for one SNV?</a:t>
-            </a:r>
+              <a:t>Where do we find info </a:t>
+            </a:r>
+            <a:r>
+              <a:rPr lang="en-US" dirty="0" smtClean="0"/>
+              <a:t>about alternative </a:t>
+            </a:r>
+            <a:r>
+              <a:rPr lang="en-US" dirty="0" smtClean="0"/>
+              <a:t>allele </a:t>
+            </a:r>
+            <a:r>
+              <a:rPr lang="en-US" dirty="0" smtClean="0"/>
+              <a:t>frequencies based on read depths </a:t>
+            </a:r>
+            <a:r>
+              <a:rPr lang="en-US" dirty="0" smtClean="0"/>
+              <a:t>for </a:t>
+            </a:r>
+            <a:r>
+              <a:rPr lang="en-US" dirty="0" smtClean="0"/>
+              <a:t>a given</a:t>
+            </a:r>
+            <a:r>
+              <a:rPr lang="en-US" dirty="0" smtClean="0"/>
+              <a:t> mutation?</a:t>
+            </a:r>
+            <a:endParaRPr lang="en-US" dirty="0" smtClean="0"/>
           </a:p>
           <a:p>
             <a:endParaRPr lang="en-US" dirty="0"/>
@@ -5179,39 +5204,172 @@
           <a:p>
             <a:r>
               <a:rPr lang="en-US" dirty="0" smtClean="0"/>
-              <a:t>Part one</a:t>
+              <a:t>Allelic depths in IGV</a:t>
             </a:r>
             <a:endParaRPr lang="en-US" dirty="0"/>
           </a:p>
         </p:txBody>
       </p:sp>
-      <p:sp>
-        <p:nvSpPr>
-          <p:cNvPr id="3" name="Content Placeholder 2"/>
-          <p:cNvSpPr>
-            <a:spLocks noGrp="1"/>
-          </p:cNvSpPr>
+      <p:pic>
+        <p:nvPicPr>
+          <p:cNvPr id="5" name="Content Placeholder 4" descr="heterozygous_zoom.png"/>
+          <p:cNvPicPr>
+            <a:picLocks noGrp="1" noChangeAspect="1"/>
+          </p:cNvPicPr>
           <p:nvPr>
             <p:ph idx="1"/>
           </p:nvPr>
+        </p:nvPicPr>
+        <p:blipFill>
+          <a:blip r:embed="rId2">
+            <a:extLst>
+              <a:ext uri="{28A0092B-C50C-407E-A947-70E740481C1C}">
+                <a14:useLocalDpi xmlns:a14="http://schemas.microsoft.com/office/drawing/2010/main" val="0"/>
+              </a:ext>
+            </a:extLst>
+          </a:blip>
+          <a:srcRect t="12438" b="12438"/>
+          <a:stretch>
+            <a:fillRect/>
+          </a:stretch>
+        </p:blipFill>
+        <p:spPr>
+          <a:xfrm>
+            <a:off x="1543050" y="1646238"/>
+            <a:ext cx="6864350" cy="3775075"/>
+          </a:xfrm>
+        </p:spPr>
+      </p:pic>
+      <p:sp>
+        <p:nvSpPr>
+          <p:cNvPr id="8" name="TextBox 7"/>
+          <p:cNvSpPr txBox="1"/>
+          <p:nvPr/>
         </p:nvSpPr>
         <p:spPr>
           <a:xfrm>
-            <a:off x="2512230" y="2826063"/>
-            <a:ext cx="5849007" cy="2615359"/>
+            <a:off x="1466669" y="5700576"/>
+            <a:ext cx="6320285" cy="1477328"/>
           </a:xfrm>
+          <a:prstGeom prst="rect">
+            <a:avLst/>
+          </a:prstGeom>
+          <a:noFill/>
         </p:spPr>
         <p:txBody>
-          <a:bodyPr/>
+          <a:bodyPr wrap="square" rtlCol="0">
+            <a:spAutoFit/>
+          </a:bodyPr>
           <a:lstStyle/>
           <a:p>
-            <a:pPr marL="0" indent="0">
-              <a:buNone/>
-            </a:pPr>
+            <a:r>
+              <a:rPr lang="pl-PL" dirty="0" smtClean="0">
+                <a:solidFill>
+                  <a:srgbClr val="FF0000"/>
+                </a:solidFill>
+              </a:rPr>
+              <a:t>AD</a:t>
+            </a:r>
+            <a:r>
+              <a:rPr lang="pl-PL" dirty="0">
+                <a:solidFill>
+                  <a:srgbClr val="FF0000"/>
+                </a:solidFill>
+              </a:rPr>
+              <a:t>=</a:t>
+            </a:r>
+            <a:r>
+              <a:rPr lang="pl-PL" dirty="0" err="1">
+                <a:solidFill>
+                  <a:srgbClr val="FF0000"/>
+                </a:solidFill>
+              </a:rPr>
+              <a:t>Allelic</a:t>
+            </a:r>
+            <a:r>
+              <a:rPr lang="pl-PL" dirty="0">
+                <a:solidFill>
+                  <a:srgbClr val="FF0000"/>
+                </a:solidFill>
+              </a:rPr>
+              <a:t> </a:t>
+            </a:r>
+            <a:r>
+              <a:rPr lang="pl-PL" dirty="0" err="1">
+                <a:solidFill>
+                  <a:srgbClr val="FF0000"/>
+                </a:solidFill>
+              </a:rPr>
+              <a:t>depths</a:t>
+            </a:r>
+            <a:r>
+              <a:rPr lang="pl-PL" dirty="0">
+                <a:solidFill>
+                  <a:srgbClr val="FF0000"/>
+                </a:solidFill>
+              </a:rPr>
+              <a:t> for the ref and alt </a:t>
+            </a:r>
+            <a:r>
+              <a:rPr lang="pl-PL" dirty="0" err="1">
+                <a:solidFill>
+                  <a:srgbClr val="FF0000"/>
+                </a:solidFill>
+              </a:rPr>
+              <a:t>alleles</a:t>
+            </a:r>
+            <a:r>
+              <a:rPr lang="pl-PL" dirty="0">
+                <a:solidFill>
+                  <a:srgbClr val="FF0000"/>
+                </a:solidFill>
+              </a:rPr>
+              <a:t> in the order </a:t>
+            </a:r>
+            <a:r>
+              <a:rPr lang="pl-PL" dirty="0" err="1" smtClean="0">
+                <a:solidFill>
+                  <a:srgbClr val="FF0000"/>
+                </a:solidFill>
+              </a:rPr>
+              <a:t>listed</a:t>
+            </a:r>
+            <a:endParaRPr lang="pl-PL" dirty="0" smtClean="0">
+              <a:solidFill>
+                <a:srgbClr val="FF0000"/>
+              </a:solidFill>
+            </a:endParaRPr>
+          </a:p>
+          <a:p>
+            <a:r>
+              <a:rPr lang="en-US" dirty="0"/>
+              <a:t>Reference = C </a:t>
+            </a:r>
             <a:r>
               <a:rPr lang="en-US" dirty="0" smtClean="0"/>
-              <a:t>How does it look in IGV?</a:t>
-            </a:r>
+              <a:t> Alternative </a:t>
+            </a:r>
+            <a:r>
+              <a:rPr lang="en-US" dirty="0"/>
+              <a:t>= T </a:t>
+            </a:r>
+            <a:endParaRPr lang="en-US" dirty="0" smtClean="0"/>
+          </a:p>
+          <a:p>
+            <a:r>
+              <a:rPr lang="en-US" dirty="0" smtClean="0"/>
+              <a:t>AD=13,13</a:t>
+            </a:r>
+            <a:endParaRPr lang="en-US" dirty="0"/>
+          </a:p>
+          <a:p>
+            <a:endParaRPr lang="pl-PL" dirty="0">
+              <a:solidFill>
+                <a:srgbClr val="FF0000"/>
+              </a:solidFill>
+            </a:endParaRPr>
+          </a:p>
+          <a:p>
             <a:endParaRPr lang="en-US" dirty="0"/>
           </a:p>
         </p:txBody>
